--- a/day0/A/solution/A.pptx
+++ b/day0/A/solution/A.pptx
@@ -3773,7 +3773,7 @@
           <a:p>
             <a:r>
               <a:rPr lang="zh-CN" altLang="en-US" dirty="0"/>
-              <a:t>即需要查询有多少颜色 </a:t>
+              <a:t>即需要查询有多少值 </a:t>
             </a:r>
             <a:r>
               <a:rPr lang="en-US" altLang="zh-CN" dirty="0"/>
@@ -3927,45 +3927,27 @@
           <a:p>
             <a:r>
               <a:rPr lang="zh-CN" altLang="en-US" dirty="0"/>
-              <a:t>对每个 </a:t>
-            </a:r>
-            <a:r>
-              <a:rPr lang="en-US" altLang="zh-CN" dirty="0"/>
-              <a:t>x</a:t>
-            </a:r>
-            <a:r>
-              <a:rPr lang="zh-CN" altLang="en-US" dirty="0"/>
-              <a:t>，设 </a:t>
-            </a:r>
-            <a:r>
-              <a:rPr lang="en-US" altLang="zh-CN" dirty="0"/>
-              <a:t>b[x]=y</a:t>
-            </a:r>
-            <a:r>
-              <a:rPr lang="zh-CN" altLang="en-US" dirty="0"/>
-              <a:t>，满足</a:t>
-            </a:r>
-            <a:r>
-              <a:rPr lang="en-US" altLang="zh-CN" dirty="0"/>
-              <a:t>a[y]==a[x]</a:t>
-            </a:r>
-            <a:r>
-              <a:rPr lang="zh-CN" altLang="en-US" dirty="0"/>
-              <a:t>且</a:t>
-            </a:r>
-            <a:r>
-              <a:rPr lang="en-US" altLang="zh-CN" dirty="0"/>
-              <a:t>y&lt;x</a:t>
-            </a:r>
-          </a:p>
-          <a:p>
-            <a:r>
-              <a:rPr lang="zh-CN" altLang="en-US" dirty="0"/>
-              <a:t>于是即查询</a:t>
-            </a:r>
-            <a:r>
-              <a:rPr lang="en-US" altLang="zh-CN" dirty="0"/>
-              <a:t>r’&lt;</a:t>
+              <a:t>扫描线扫</a:t>
+            </a:r>
+            <a:r>
+              <a:rPr lang="en-US" altLang="zh-CN" dirty="0"/>
+              <a:t>r=1..n</a:t>
+            </a:r>
+            <a:r>
+              <a:rPr lang="zh-CN" altLang="en-US" dirty="0"/>
+              <a:t>，维护点集</a:t>
+            </a:r>
+            <a:r>
+              <a:rPr lang="en-US" altLang="zh-CN" dirty="0"/>
+              <a:t>{ (</a:t>
+            </a:r>
+            <a:r>
+              <a:rPr lang="en-US" altLang="zh-CN" dirty="0" err="1"/>
+              <a:t>i,a</a:t>
+            </a:r>
+            <a:r>
+              <a:rPr lang="en-US" altLang="zh-CN" dirty="0"/>
+              <a:t>[</a:t>
             </a:r>
             <a:r>
               <a:rPr lang="en-US" altLang="zh-CN" dirty="0" err="1"/>
@@ -3973,15 +3955,7 @@
             </a:r>
             <a:r>
               <a:rPr lang="en-US" altLang="zh-CN" dirty="0"/>
-              <a:t>&lt;r</a:t>
-            </a:r>
-            <a:r>
-              <a:rPr lang="zh-CN" altLang="en-US" dirty="0"/>
-              <a:t>，</a:t>
-            </a:r>
-            <a:r>
-              <a:rPr lang="en-US" altLang="zh-CN" dirty="0"/>
-              <a:t>a[</a:t>
+              <a:t>]) | 1&lt;=</a:t>
             </a:r>
             <a:r>
               <a:rPr lang="en-US" altLang="zh-CN" dirty="0" err="1"/>
@@ -3989,15 +3963,23 @@
             </a:r>
             <a:r>
               <a:rPr lang="en-US" altLang="zh-CN" dirty="0"/>
-              <a:t>]&gt;a[r]</a:t>
-            </a:r>
-            <a:r>
-              <a:rPr lang="zh-CN" altLang="en-US" dirty="0"/>
-              <a:t>，</a:t>
-            </a:r>
-            <a:r>
-              <a:rPr lang="en-US" altLang="zh-CN" dirty="0"/>
-              <a:t>l&lt;b[</a:t>
+              <a:t>&lt;=r</a:t>
+            </a:r>
+            <a:r>
+              <a:rPr lang="zh-CN" altLang="en-US" dirty="0"/>
+              <a:t>，且</a:t>
+            </a:r>
+            <a:r>
+              <a:rPr lang="en-US" altLang="zh-CN" dirty="0"/>
+              <a:t>a[i+1..r]</a:t>
+            </a:r>
+            <a:r>
+              <a:rPr lang="zh-CN" altLang="en-US" dirty="0"/>
+              <a:t>和</a:t>
+            </a:r>
+            <a:r>
+              <a:rPr lang="en-US" altLang="zh-CN" dirty="0"/>
+              <a:t>a[</a:t>
             </a:r>
             <a:r>
               <a:rPr lang="en-US" altLang="zh-CN" dirty="0" err="1"/>
@@ -4005,19 +3987,77 @@
             </a:r>
             <a:r>
               <a:rPr lang="en-US" altLang="zh-CN" dirty="0"/>
-              <a:t>]&lt;r’</a:t>
-            </a:r>
-            <a:r>
-              <a:rPr lang="zh-CN" altLang="en-US" dirty="0"/>
-              <a:t>的</a:t>
+              <a:t>]</a:t>
+            </a:r>
+            <a:r>
+              <a:rPr lang="zh-CN" altLang="en-US" dirty="0"/>
+              <a:t>不同 </a:t>
+            </a:r>
+            <a:r>
+              <a:rPr lang="en-US" altLang="zh-CN" dirty="0"/>
+              <a:t>}</a:t>
+            </a:r>
+          </a:p>
+          <a:p>
+            <a:r>
+              <a:rPr lang="zh-CN" altLang="en-US" dirty="0"/>
+              <a:t>扫到</a:t>
+            </a:r>
+            <a:r>
+              <a:rPr lang="en-US" altLang="zh-CN" dirty="0"/>
+              <a:t>r</a:t>
+            </a:r>
+            <a:r>
+              <a:rPr lang="zh-CN" altLang="en-US" dirty="0"/>
+              <a:t>时，莫队的询问</a:t>
+            </a:r>
+            <a:r>
+              <a:rPr lang="en-US" altLang="zh-CN" dirty="0"/>
+              <a:t>[</a:t>
+            </a:r>
+            <a:r>
+              <a:rPr lang="en-US" altLang="zh-CN" dirty="0" err="1"/>
+              <a:t>l,r</a:t>
+            </a:r>
+            <a:r>
+              <a:rPr lang="en-US" altLang="zh-CN" dirty="0"/>
+              <a:t>]</a:t>
+            </a:r>
+            <a:r>
+              <a:rPr lang="zh-CN" altLang="en-US" dirty="0"/>
+              <a:t>需要查询</a:t>
+            </a:r>
+            <a:r>
+              <a:rPr lang="en-US" altLang="zh-CN" dirty="0"/>
+              <a:t>max(l-1,r’)&lt;</a:t>
             </a:r>
             <a:r>
               <a:rPr lang="en-US" altLang="zh-CN" dirty="0" err="1"/>
               <a:t>i</a:t>
             </a:r>
             <a:r>
-              <a:rPr lang="zh-CN" altLang="en-US" dirty="0"/>
-              <a:t>个数</a:t>
+              <a:rPr lang="en-US" altLang="zh-CN" dirty="0"/>
+              <a:t>&lt;r</a:t>
+            </a:r>
+            <a:r>
+              <a:rPr lang="zh-CN" altLang="en-US" dirty="0"/>
+              <a:t>，</a:t>
+            </a:r>
+            <a:r>
+              <a:rPr lang="en-US" altLang="zh-CN" dirty="0"/>
+              <a:t>a[</a:t>
+            </a:r>
+            <a:r>
+              <a:rPr lang="en-US" altLang="zh-CN" dirty="0" err="1"/>
+              <a:t>i</a:t>
+            </a:r>
+            <a:r>
+              <a:rPr lang="en-US" altLang="zh-CN" dirty="0"/>
+              <a:t>]&gt;a[r]</a:t>
+            </a:r>
+            <a:r>
+              <a:rPr lang="zh-CN" altLang="en-US" dirty="0"/>
+              <a:t> 的点数</a:t>
             </a:r>
             <a:endParaRPr lang="en-US" altLang="zh-CN" dirty="0"/>
           </a:p>
@@ -4157,7 +4197,15 @@
             </a:r>
             <a:r>
               <a:rPr lang="en-US" altLang="zh-CN" dirty="0"/>
-              <a:t>O(n^0.25)</a:t>
+              <a:t>O(n</a:t>
+            </a:r>
+            <a:r>
+              <a:rPr lang="en-US" altLang="zh-CN" baseline="30000" dirty="0"/>
+              <a:t>0.25</a:t>
+            </a:r>
+            <a:r>
+              <a:rPr lang="en-US" altLang="zh-CN" dirty="0"/>
+              <a:t>)</a:t>
             </a:r>
             <a:r>
               <a:rPr lang="zh-CN" altLang="en-US" dirty="0"/>
@@ -4165,7 +4213,23 @@
             </a:r>
             <a:r>
               <a:rPr lang="en-US" altLang="zh-CN" dirty="0"/>
-              <a:t>O(n^0.25*n^0.25)=O(</a:t>
+              <a:t>O(n</a:t>
+            </a:r>
+            <a:r>
+              <a:rPr lang="en-US" altLang="zh-CN" baseline="30000" dirty="0"/>
+              <a:t>0.25</a:t>
+            </a:r>
+            <a:r>
+              <a:rPr lang="en-US" altLang="zh-CN" dirty="0"/>
+              <a:t>*n</a:t>
+            </a:r>
+            <a:r>
+              <a:rPr lang="en-US" altLang="zh-CN" baseline="30000" dirty="0"/>
+              <a:t>0.25</a:t>
+            </a:r>
+            <a:r>
+              <a:rPr lang="en-US" altLang="zh-CN" dirty="0"/>
+              <a:t>)=O(</a:t>
             </a:r>
             <a:r>
               <a:rPr lang="en-US" altLang="zh-CN" dirty="0" err="1"/>
@@ -4192,7 +4256,23 @@
           <a:p>
             <a:r>
               <a:rPr lang="zh-CN" altLang="en-US" dirty="0"/>
-              <a:t>点修改需要在 </a:t>
+              <a:t>第 </a:t>
+            </a:r>
+            <a:r>
+              <a:rPr lang="en-US" altLang="zh-CN" dirty="0"/>
+              <a:t>1,2 </a:t>
+            </a:r>
+            <a:r>
+              <a:rPr lang="zh-CN" altLang="en-US" dirty="0"/>
+              <a:t>层网格只有 </a:t>
+            </a:r>
+            <a:r>
+              <a:rPr lang="en-US" altLang="zh-CN" dirty="0"/>
+              <a:t>sqrtn+1 </a:t>
+            </a:r>
+            <a:r>
+              <a:rPr lang="zh-CN" altLang="en-US" dirty="0"/>
+              <a:t>个，是线性空间的，点修改需要在 </a:t>
             </a:r>
             <a:r>
               <a:rPr lang="en-US" altLang="zh-CN" dirty="0"/>
@@ -4204,13 +4284,40 @@
             </a:r>
             <a:r>
               <a:rPr lang="en-US" altLang="zh-CN" dirty="0"/>
-              <a:t>n^0.25*n^0.25 </a:t>
-            </a:r>
-            <a:r>
-              <a:rPr lang="zh-CN" altLang="en-US" dirty="0"/>
-              <a:t>的网格上重算二维前缀和</a:t>
-            </a:r>
-            <a:endParaRPr lang="en-US" altLang="zh-CN" dirty="0"/>
+              <a:t>n</a:t>
+            </a:r>
+            <a:r>
+              <a:rPr lang="en-US" altLang="zh-CN" baseline="30000" dirty="0"/>
+              <a:t>k1</a:t>
+            </a:r>
+            <a:r>
+              <a:rPr lang="en-US" altLang="zh-CN" dirty="0"/>
+              <a:t>*n</a:t>
+            </a:r>
+            <a:r>
+              <a:rPr lang="en-US" altLang="zh-CN" baseline="30000" dirty="0"/>
+              <a:t>k2</a:t>
+            </a:r>
+            <a:r>
+              <a:rPr lang="en-US" altLang="zh-CN" dirty="0"/>
+              <a:t> </a:t>
+            </a:r>
+            <a:r>
+              <a:rPr lang="zh-CN" altLang="en-US" dirty="0"/>
+              <a:t>，</a:t>
+            </a:r>
+            <a:r>
+              <a:rPr lang="en-US" altLang="zh-CN" dirty="0"/>
+              <a:t>k1,k2=0.25,0.5</a:t>
+            </a:r>
+            <a:r>
+              <a:rPr lang="zh-CN" altLang="en-US" dirty="0"/>
+              <a:t>的网格上重算二维前缀和，空间为</a:t>
+            </a:r>
+            <a:r>
+              <a:rPr lang="en-US" altLang="zh-CN" dirty="0"/>
+              <a:t>O(n)</a:t>
+            </a:r>
           </a:p>
           <a:p>
             <a:r>
@@ -4219,74 +4326,43 @@
             </a:r>
             <a:r>
               <a:rPr lang="en-US" altLang="zh-CN" dirty="0"/>
-              <a:t>1,2 </a:t>
-            </a:r>
-            <a:r>
-              <a:rPr lang="zh-CN" altLang="en-US" dirty="0"/>
-              <a:t>层网格只有 </a:t>
-            </a:r>
-            <a:r>
-              <a:rPr lang="en-US" altLang="zh-CN" dirty="0"/>
-              <a:t>sqrtn+1 </a:t>
-            </a:r>
-            <a:r>
-              <a:rPr lang="zh-CN" altLang="en-US" dirty="0"/>
-              <a:t>个，是线性空间的，可以用普通莫队二次离线处理</a:t>
-            </a:r>
-            <a:endParaRPr lang="en-US" altLang="zh-CN" dirty="0"/>
-          </a:p>
-          <a:p>
-            <a:r>
-              <a:rPr lang="zh-CN" altLang="en-US" dirty="0"/>
-              <a:t>第 </a:t>
-            </a:r>
-            <a:r>
-              <a:rPr lang="en-US" altLang="zh-CN" dirty="0"/>
               <a:t>3,4 </a:t>
             </a:r>
             <a:r>
               <a:rPr lang="zh-CN" altLang="en-US" dirty="0"/>
-              <a:t>层网格只有 </a:t>
-            </a:r>
-            <a:r>
-              <a:rPr lang="en-US" altLang="zh-CN" dirty="0"/>
-              <a:t>n </a:t>
-            </a:r>
-            <a:r>
-              <a:rPr lang="zh-CN" altLang="en-US" dirty="0"/>
-              <a:t>个会被修改到，查询到（即</a:t>
-            </a:r>
-            <a:r>
-              <a:rPr lang="en-US" altLang="zh-CN" dirty="0"/>
-              <a:t> (</a:t>
+              <a:t>层网格可以不维护，而是直接算</a:t>
+            </a:r>
+            <a:r>
+              <a:rPr lang="en-US" altLang="zh-CN" dirty="0"/>
+              <a:t>1,2</a:t>
+            </a:r>
+            <a:r>
+              <a:rPr lang="zh-CN" altLang="en-US" dirty="0"/>
+              <a:t>层未处理的修改对</a:t>
+            </a:r>
+            <a:r>
+              <a:rPr lang="en-US" altLang="zh-CN" dirty="0"/>
+              <a:t>n</a:t>
+            </a:r>
+            <a:r>
+              <a:rPr lang="zh-CN" altLang="en-US" dirty="0"/>
+              <a:t>个可能的查询的贡献，时间复杂度为</a:t>
+            </a:r>
+            <a:r>
+              <a:rPr lang="en-US" altLang="zh-CN" dirty="0"/>
+              <a:t>O(</a:t>
             </a:r>
             <a:r>
               <a:rPr lang="en-US" altLang="zh-CN" dirty="0" err="1"/>
-              <a:t>i,a</a:t>
-            </a:r>
-            <a:r>
-              <a:rPr lang="en-US" altLang="zh-CN" dirty="0"/>
-              <a:t>[</a:t>
-            </a:r>
-            <a:r>
-              <a:rPr lang="en-US" altLang="zh-CN" dirty="0" err="1"/>
-              <a:t>i</a:t>
-            </a:r>
-            <a:r>
-              <a:rPr lang="en-US" altLang="zh-CN" dirty="0"/>
-              <a:t>]) </a:t>
-            </a:r>
-            <a:r>
-              <a:rPr lang="zh-CN" altLang="en-US" dirty="0"/>
-              <a:t>所在的是可能有用的），这里是个很多位置为</a:t>
-            </a:r>
-            <a:r>
-              <a:rPr lang="en-US" altLang="zh-CN" dirty="0"/>
-              <a:t>0</a:t>
-            </a:r>
-            <a:r>
-              <a:rPr lang="zh-CN" altLang="en-US" dirty="0"/>
-              <a:t>的矩阵，只需要维护非零的部分，空间复杂度为 </a:t>
+              <a:t>sqrtn</a:t>
+            </a:r>
+            <a:r>
+              <a:rPr lang="en-US" altLang="zh-CN" dirty="0"/>
+              <a:t>)</a:t>
+            </a:r>
+            <a:r>
+              <a:rPr lang="zh-CN" altLang="en-US" dirty="0"/>
+              <a:t>，空间复杂度为 </a:t>
             </a:r>
             <a:r>
               <a:rPr lang="en-US" altLang="zh-CN" dirty="0"/>
@@ -4513,7 +4589,7 @@
             </a:r>
             <a:r>
               <a:rPr lang="en-US" altLang="zh-CN" dirty="0" err="1"/>
-              <a:t>nsqrtm</a:t>
+              <a:t>nsqrtm+m</a:t>
             </a:r>
             <a:r>
               <a:rPr lang="en-US" altLang="zh-CN" dirty="0"/>
